--- a/# Powerpoint Workshop/#Graphics_for_portfolio.pptx
+++ b/# Powerpoint Workshop/#Graphics_for_portfolio.pptx
@@ -2,13 +2,13 @@
 <file path=ppt/presentation.xml><?xml version="1.0" encoding="utf-8"?>
 <p:presentation xmlns:a="http://schemas.openxmlformats.org/drawingml/2006/main" xmlns:r="http://schemas.openxmlformats.org/officeDocument/2006/relationships" xmlns:p="http://schemas.openxmlformats.org/presentationml/2006/main" saveSubsetFonts="1">
   <p:sldMasterIdLst>
-    <p:sldMasterId id="2147483744" r:id="rId1"/>
+    <p:sldMasterId id="2147483756" r:id="rId1"/>
   </p:sldMasterIdLst>
   <p:sldIdLst>
-    <p:sldId id="256" r:id="rId2"/>
-    <p:sldId id="257" r:id="rId3"/>
+    <p:sldId id="257" r:id="rId2"/>
+    <p:sldId id="256" r:id="rId3"/>
   </p:sldIdLst>
-  <p:sldSz cx="51206400" cy="5943600"/>
+  <p:sldSz cx="51206400" cy="7315200"/>
   <p:notesSz cx="6858000" cy="9144000"/>
   <p:defaultTextStyle>
     <a:defPPr>
@@ -142,15 +142,15 @@
         </p:nvSpPr>
         <p:spPr>
           <a:xfrm>
-            <a:off x="6400800" y="972715"/>
-            <a:ext cx="38404800" cy="2069253"/>
+            <a:off x="6400800" y="1197187"/>
+            <a:ext cx="38404800" cy="2546773"/>
           </a:xfrm>
         </p:spPr>
         <p:txBody>
           <a:bodyPr anchor="b"/>
           <a:lstStyle>
             <a:lvl1pPr algn="ctr">
-              <a:defRPr sz="5200"/>
+              <a:defRPr sz="6400"/>
             </a:lvl1pPr>
           </a:lstStyle>
           <a:p>
@@ -174,8 +174,8 @@
         </p:nvSpPr>
         <p:spPr>
           <a:xfrm>
-            <a:off x="6400800" y="3121766"/>
-            <a:ext cx="38404800" cy="1434994"/>
+            <a:off x="6400800" y="3842174"/>
+            <a:ext cx="38404800" cy="1766146"/>
           </a:xfrm>
         </p:spPr>
         <p:txBody>
@@ -183,39 +183,39 @@
           <a:lstStyle>
             <a:lvl1pPr marL="0" indent="0" algn="ctr">
               <a:buNone/>
-              <a:defRPr sz="2080"/>
+              <a:defRPr sz="2560"/>
             </a:lvl1pPr>
-            <a:lvl2pPr marL="396255" indent="0" algn="ctr">
-              <a:buNone/>
-              <a:defRPr sz="1733"/>
+            <a:lvl2pPr marL="487695" indent="0" algn="ctr">
+              <a:buNone/>
+              <a:defRPr sz="2133"/>
             </a:lvl2pPr>
-            <a:lvl3pPr marL="792510" indent="0" algn="ctr">
-              <a:buNone/>
-              <a:defRPr sz="1560"/>
+            <a:lvl3pPr marL="975390" indent="0" algn="ctr">
+              <a:buNone/>
+              <a:defRPr sz="1920"/>
             </a:lvl3pPr>
-            <a:lvl4pPr marL="1188766" indent="0" algn="ctr">
-              <a:buNone/>
-              <a:defRPr sz="1387"/>
+            <a:lvl4pPr marL="1463086" indent="0" algn="ctr">
+              <a:buNone/>
+              <a:defRPr sz="1707"/>
             </a:lvl4pPr>
-            <a:lvl5pPr marL="1585021" indent="0" algn="ctr">
-              <a:buNone/>
-              <a:defRPr sz="1387"/>
+            <a:lvl5pPr marL="1950781" indent="0" algn="ctr">
+              <a:buNone/>
+              <a:defRPr sz="1707"/>
             </a:lvl5pPr>
-            <a:lvl6pPr marL="1981276" indent="0" algn="ctr">
-              <a:buNone/>
-              <a:defRPr sz="1387"/>
+            <a:lvl6pPr marL="2438476" indent="0" algn="ctr">
+              <a:buNone/>
+              <a:defRPr sz="1707"/>
             </a:lvl6pPr>
-            <a:lvl7pPr marL="2377531" indent="0" algn="ctr">
-              <a:buNone/>
-              <a:defRPr sz="1387"/>
+            <a:lvl7pPr marL="2926171" indent="0" algn="ctr">
+              <a:buNone/>
+              <a:defRPr sz="1707"/>
             </a:lvl7pPr>
-            <a:lvl8pPr marL="2773787" indent="0" algn="ctr">
-              <a:buNone/>
-              <a:defRPr sz="1387"/>
+            <a:lvl8pPr marL="3413867" indent="0" algn="ctr">
+              <a:buNone/>
+              <a:defRPr sz="1707"/>
             </a:lvl8pPr>
-            <a:lvl9pPr marL="3170042" indent="0" algn="ctr">
-              <a:buNone/>
-              <a:defRPr sz="1387"/>
+            <a:lvl9pPr marL="3901562" indent="0" algn="ctr">
+              <a:buNone/>
+              <a:defRPr sz="1707"/>
             </a:lvl9pPr>
           </a:lstStyle>
           <a:p>
@@ -244,7 +244,7 @@
           <a:p>
             <a:fld id="{866052F7-BBB9-4893-8448-080437B8F3C7}" type="datetimeFigureOut">
               <a:rPr lang="en-US" smtClean="0"/>
-              <a:t>7/20/2020</a:t>
+              <a:t>7/24/2020</a:t>
             </a:fld>
             <a:endParaRPr lang="en-US"/>
           </a:p>
@@ -295,7 +295,7 @@
     </p:spTree>
     <p:extLst>
       <p:ext uri="{BB962C8B-B14F-4D97-AF65-F5344CB8AC3E}">
-        <p14:creationId xmlns:p14="http://schemas.microsoft.com/office/powerpoint/2010/main" val="3123848289"/>
+        <p14:creationId xmlns:p14="http://schemas.microsoft.com/office/powerpoint/2010/main" val="1409460569"/>
       </p:ext>
     </p:extLst>
   </p:cSld>
@@ -414,7 +414,7 @@
           <a:p>
             <a:fld id="{866052F7-BBB9-4893-8448-080437B8F3C7}" type="datetimeFigureOut">
               <a:rPr lang="en-US" smtClean="0"/>
-              <a:t>7/20/2020</a:t>
+              <a:t>7/24/2020</a:t>
             </a:fld>
             <a:endParaRPr lang="en-US"/>
           </a:p>
@@ -465,7 +465,7 @@
     </p:spTree>
     <p:extLst>
       <p:ext uri="{BB962C8B-B14F-4D97-AF65-F5344CB8AC3E}">
-        <p14:creationId xmlns:p14="http://schemas.microsoft.com/office/powerpoint/2010/main" val="3590031226"/>
+        <p14:creationId xmlns:p14="http://schemas.microsoft.com/office/powerpoint/2010/main" val="2599915695"/>
       </p:ext>
     </p:extLst>
   </p:cSld>
@@ -504,8 +504,8 @@
         </p:nvSpPr>
         <p:spPr>
           <a:xfrm>
-            <a:off x="36644580" y="316442"/>
-            <a:ext cx="11041380" cy="5036926"/>
+            <a:off x="36644580" y="389467"/>
+            <a:ext cx="11041380" cy="6199294"/>
           </a:xfrm>
         </p:spPr>
         <p:txBody>
@@ -532,8 +532,8 @@
         </p:nvSpPr>
         <p:spPr>
           <a:xfrm>
-            <a:off x="3520440" y="316442"/>
-            <a:ext cx="32484060" cy="5036926"/>
+            <a:off x="3520440" y="389467"/>
+            <a:ext cx="32484060" cy="6199294"/>
           </a:xfrm>
         </p:spPr>
         <p:txBody>
@@ -594,7 +594,7 @@
           <a:p>
             <a:fld id="{866052F7-BBB9-4893-8448-080437B8F3C7}" type="datetimeFigureOut">
               <a:rPr lang="en-US" smtClean="0"/>
-              <a:t>7/20/2020</a:t>
+              <a:t>7/24/2020</a:t>
             </a:fld>
             <a:endParaRPr lang="en-US"/>
           </a:p>
@@ -645,7 +645,7 @@
     </p:spTree>
     <p:extLst>
       <p:ext uri="{BB962C8B-B14F-4D97-AF65-F5344CB8AC3E}">
-        <p14:creationId xmlns:p14="http://schemas.microsoft.com/office/powerpoint/2010/main" val="2929888498"/>
+        <p14:creationId xmlns:p14="http://schemas.microsoft.com/office/powerpoint/2010/main" val="1137196146"/>
       </p:ext>
     </p:extLst>
   </p:cSld>
@@ -764,7 +764,7 @@
           <a:p>
             <a:fld id="{866052F7-BBB9-4893-8448-080437B8F3C7}" type="datetimeFigureOut">
               <a:rPr lang="en-US" smtClean="0"/>
-              <a:t>7/20/2020</a:t>
+              <a:t>7/24/2020</a:t>
             </a:fld>
             <a:endParaRPr lang="en-US"/>
           </a:p>
@@ -815,7 +815,7 @@
     </p:spTree>
     <p:extLst>
       <p:ext uri="{BB962C8B-B14F-4D97-AF65-F5344CB8AC3E}">
-        <p14:creationId xmlns:p14="http://schemas.microsoft.com/office/powerpoint/2010/main" val="1960149646"/>
+        <p14:creationId xmlns:p14="http://schemas.microsoft.com/office/powerpoint/2010/main" val="1622064781"/>
       </p:ext>
     </p:extLst>
   </p:cSld>
@@ -854,15 +854,15 @@
         </p:nvSpPr>
         <p:spPr>
           <a:xfrm>
-            <a:off x="3493770" y="1481773"/>
-            <a:ext cx="44165520" cy="2472372"/>
+            <a:off x="3493770" y="1823721"/>
+            <a:ext cx="44165520" cy="3042919"/>
           </a:xfrm>
         </p:spPr>
         <p:txBody>
           <a:bodyPr anchor="b"/>
           <a:lstStyle>
             <a:lvl1pPr>
-              <a:defRPr sz="5200"/>
+              <a:defRPr sz="6400"/>
             </a:lvl1pPr>
           </a:lstStyle>
           <a:p>
@@ -886,8 +886,8 @@
         </p:nvSpPr>
         <p:spPr>
           <a:xfrm>
-            <a:off x="3493770" y="3977535"/>
-            <a:ext cx="44165520" cy="1300162"/>
+            <a:off x="3493770" y="4895428"/>
+            <a:ext cx="44165520" cy="1600199"/>
           </a:xfrm>
         </p:spPr>
         <p:txBody>
@@ -895,7 +895,7 @@
           <a:lstStyle>
             <a:lvl1pPr marL="0" indent="0">
               <a:buNone/>
-              <a:defRPr sz="2080">
+              <a:defRPr sz="2560">
                 <a:solidFill>
                   <a:schemeClr val="tx1">
                     <a:tint val="75000"/>
@@ -903,9 +903,9 @@
                 </a:solidFill>
               </a:defRPr>
             </a:lvl1pPr>
-            <a:lvl2pPr marL="396255" indent="0">
-              <a:buNone/>
-              <a:defRPr sz="1733">
+            <a:lvl2pPr marL="487695" indent="0">
+              <a:buNone/>
+              <a:defRPr sz="2133">
                 <a:solidFill>
                   <a:schemeClr val="tx1">
                     <a:tint val="75000"/>
@@ -913,9 +913,9 @@
                 </a:solidFill>
               </a:defRPr>
             </a:lvl2pPr>
-            <a:lvl3pPr marL="792510" indent="0">
-              <a:buNone/>
-              <a:defRPr sz="1560">
+            <a:lvl3pPr marL="975390" indent="0">
+              <a:buNone/>
+              <a:defRPr sz="1920">
                 <a:solidFill>
                   <a:schemeClr val="tx1">
                     <a:tint val="75000"/>
@@ -923,9 +923,9 @@
                 </a:solidFill>
               </a:defRPr>
             </a:lvl3pPr>
-            <a:lvl4pPr marL="1188766" indent="0">
-              <a:buNone/>
-              <a:defRPr sz="1387">
+            <a:lvl4pPr marL="1463086" indent="0">
+              <a:buNone/>
+              <a:defRPr sz="1707">
                 <a:solidFill>
                   <a:schemeClr val="tx1">
                     <a:tint val="75000"/>
@@ -933,9 +933,9 @@
                 </a:solidFill>
               </a:defRPr>
             </a:lvl4pPr>
-            <a:lvl5pPr marL="1585021" indent="0">
-              <a:buNone/>
-              <a:defRPr sz="1387">
+            <a:lvl5pPr marL="1950781" indent="0">
+              <a:buNone/>
+              <a:defRPr sz="1707">
                 <a:solidFill>
                   <a:schemeClr val="tx1">
                     <a:tint val="75000"/>
@@ -943,9 +943,9 @@
                 </a:solidFill>
               </a:defRPr>
             </a:lvl5pPr>
-            <a:lvl6pPr marL="1981276" indent="0">
-              <a:buNone/>
-              <a:defRPr sz="1387">
+            <a:lvl6pPr marL="2438476" indent="0">
+              <a:buNone/>
+              <a:defRPr sz="1707">
                 <a:solidFill>
                   <a:schemeClr val="tx1">
                     <a:tint val="75000"/>
@@ -953,9 +953,9 @@
                 </a:solidFill>
               </a:defRPr>
             </a:lvl6pPr>
-            <a:lvl7pPr marL="2377531" indent="0">
-              <a:buNone/>
-              <a:defRPr sz="1387">
+            <a:lvl7pPr marL="2926171" indent="0">
+              <a:buNone/>
+              <a:defRPr sz="1707">
                 <a:solidFill>
                   <a:schemeClr val="tx1">
                     <a:tint val="75000"/>
@@ -963,9 +963,9 @@
                 </a:solidFill>
               </a:defRPr>
             </a:lvl7pPr>
-            <a:lvl8pPr marL="2773787" indent="0">
-              <a:buNone/>
-              <a:defRPr sz="1387">
+            <a:lvl8pPr marL="3413867" indent="0">
+              <a:buNone/>
+              <a:defRPr sz="1707">
                 <a:solidFill>
                   <a:schemeClr val="tx1">
                     <a:tint val="75000"/>
@@ -973,9 +973,9 @@
                 </a:solidFill>
               </a:defRPr>
             </a:lvl8pPr>
-            <a:lvl9pPr marL="3170042" indent="0">
-              <a:buNone/>
-              <a:defRPr sz="1387">
+            <a:lvl9pPr marL="3901562" indent="0">
+              <a:buNone/>
+              <a:defRPr sz="1707">
                 <a:solidFill>
                   <a:schemeClr val="tx1">
                     <a:tint val="75000"/>
@@ -1010,7 +1010,7 @@
           <a:p>
             <a:fld id="{866052F7-BBB9-4893-8448-080437B8F3C7}" type="datetimeFigureOut">
               <a:rPr lang="en-US" smtClean="0"/>
-              <a:t>7/20/2020</a:t>
+              <a:t>7/24/2020</a:t>
             </a:fld>
             <a:endParaRPr lang="en-US"/>
           </a:p>
@@ -1061,7 +1061,7 @@
     </p:spTree>
     <p:extLst>
       <p:ext uri="{BB962C8B-B14F-4D97-AF65-F5344CB8AC3E}">
-        <p14:creationId xmlns:p14="http://schemas.microsoft.com/office/powerpoint/2010/main" val="2538149312"/>
+        <p14:creationId xmlns:p14="http://schemas.microsoft.com/office/powerpoint/2010/main" val="3909836450"/>
       </p:ext>
     </p:extLst>
   </p:cSld>
@@ -1123,8 +1123,8 @@
         </p:nvSpPr>
         <p:spPr>
           <a:xfrm>
-            <a:off x="3520440" y="1582208"/>
-            <a:ext cx="21762720" cy="3771160"/>
+            <a:off x="3520440" y="1947333"/>
+            <a:ext cx="21762720" cy="4641427"/>
           </a:xfrm>
         </p:spPr>
         <p:txBody>
@@ -1180,8 +1180,8 @@
         </p:nvSpPr>
         <p:spPr>
           <a:xfrm>
-            <a:off x="25923240" y="1582208"/>
-            <a:ext cx="21762720" cy="3771160"/>
+            <a:off x="25923240" y="1947333"/>
+            <a:ext cx="21762720" cy="4641427"/>
           </a:xfrm>
         </p:spPr>
         <p:txBody>
@@ -1242,7 +1242,7 @@
           <a:p>
             <a:fld id="{866052F7-BBB9-4893-8448-080437B8F3C7}" type="datetimeFigureOut">
               <a:rPr lang="en-US" smtClean="0"/>
-              <a:t>7/20/2020</a:t>
+              <a:t>7/24/2020</a:t>
             </a:fld>
             <a:endParaRPr lang="en-US"/>
           </a:p>
@@ -1293,7 +1293,7 @@
     </p:spTree>
     <p:extLst>
       <p:ext uri="{BB962C8B-B14F-4D97-AF65-F5344CB8AC3E}">
-        <p14:creationId xmlns:p14="http://schemas.microsoft.com/office/powerpoint/2010/main" val="4141772938"/>
+        <p14:creationId xmlns:p14="http://schemas.microsoft.com/office/powerpoint/2010/main" val="3991850498"/>
       </p:ext>
     </p:extLst>
   </p:cSld>
@@ -1332,8 +1332,8 @@
         </p:nvSpPr>
         <p:spPr>
           <a:xfrm>
-            <a:off x="3527110" y="316442"/>
-            <a:ext cx="44165520" cy="1148821"/>
+            <a:off x="3527110" y="389467"/>
+            <a:ext cx="44165520" cy="1413934"/>
           </a:xfrm>
         </p:spPr>
         <p:txBody>
@@ -1360,8 +1360,8 @@
         </p:nvSpPr>
         <p:spPr>
           <a:xfrm>
-            <a:off x="3527112" y="1457008"/>
-            <a:ext cx="21662705" cy="714057"/>
+            <a:off x="3527112" y="1793241"/>
+            <a:ext cx="21662705" cy="878839"/>
           </a:xfrm>
         </p:spPr>
         <p:txBody>
@@ -1369,39 +1369,39 @@
           <a:lstStyle>
             <a:lvl1pPr marL="0" indent="0">
               <a:buNone/>
-              <a:defRPr sz="2080" b="1"/>
+              <a:defRPr sz="2560" b="1"/>
             </a:lvl1pPr>
-            <a:lvl2pPr marL="396255" indent="0">
-              <a:buNone/>
-              <a:defRPr sz="1733" b="1"/>
+            <a:lvl2pPr marL="487695" indent="0">
+              <a:buNone/>
+              <a:defRPr sz="2133" b="1"/>
             </a:lvl2pPr>
-            <a:lvl3pPr marL="792510" indent="0">
-              <a:buNone/>
-              <a:defRPr sz="1560" b="1"/>
+            <a:lvl3pPr marL="975390" indent="0">
+              <a:buNone/>
+              <a:defRPr sz="1920" b="1"/>
             </a:lvl3pPr>
-            <a:lvl4pPr marL="1188766" indent="0">
-              <a:buNone/>
-              <a:defRPr sz="1387" b="1"/>
+            <a:lvl4pPr marL="1463086" indent="0">
+              <a:buNone/>
+              <a:defRPr sz="1707" b="1"/>
             </a:lvl4pPr>
-            <a:lvl5pPr marL="1585021" indent="0">
-              <a:buNone/>
-              <a:defRPr sz="1387" b="1"/>
+            <a:lvl5pPr marL="1950781" indent="0">
+              <a:buNone/>
+              <a:defRPr sz="1707" b="1"/>
             </a:lvl5pPr>
-            <a:lvl6pPr marL="1981276" indent="0">
-              <a:buNone/>
-              <a:defRPr sz="1387" b="1"/>
+            <a:lvl6pPr marL="2438476" indent="0">
+              <a:buNone/>
+              <a:defRPr sz="1707" b="1"/>
             </a:lvl6pPr>
-            <a:lvl7pPr marL="2377531" indent="0">
-              <a:buNone/>
-              <a:defRPr sz="1387" b="1"/>
+            <a:lvl7pPr marL="2926171" indent="0">
+              <a:buNone/>
+              <a:defRPr sz="1707" b="1"/>
             </a:lvl7pPr>
-            <a:lvl8pPr marL="2773787" indent="0">
-              <a:buNone/>
-              <a:defRPr sz="1387" b="1"/>
+            <a:lvl8pPr marL="3413867" indent="0">
+              <a:buNone/>
+              <a:defRPr sz="1707" b="1"/>
             </a:lvl8pPr>
-            <a:lvl9pPr marL="3170042" indent="0">
-              <a:buNone/>
-              <a:defRPr sz="1387" b="1"/>
+            <a:lvl9pPr marL="3901562" indent="0">
+              <a:buNone/>
+              <a:defRPr sz="1707" b="1"/>
             </a:lvl9pPr>
           </a:lstStyle>
           <a:p>
@@ -1425,8 +1425,8 @@
         </p:nvSpPr>
         <p:spPr>
           <a:xfrm>
-            <a:off x="3527112" y="2171065"/>
-            <a:ext cx="21662705" cy="3193310"/>
+            <a:off x="3527112" y="2672080"/>
+            <a:ext cx="21662705" cy="3930227"/>
           </a:xfrm>
         </p:spPr>
         <p:txBody>
@@ -1482,8 +1482,8 @@
         </p:nvSpPr>
         <p:spPr>
           <a:xfrm>
-            <a:off x="25923240" y="1457008"/>
-            <a:ext cx="21769390" cy="714057"/>
+            <a:off x="25923240" y="1793241"/>
+            <a:ext cx="21769390" cy="878839"/>
           </a:xfrm>
         </p:spPr>
         <p:txBody>
@@ -1491,39 +1491,39 @@
           <a:lstStyle>
             <a:lvl1pPr marL="0" indent="0">
               <a:buNone/>
-              <a:defRPr sz="2080" b="1"/>
+              <a:defRPr sz="2560" b="1"/>
             </a:lvl1pPr>
-            <a:lvl2pPr marL="396255" indent="0">
-              <a:buNone/>
-              <a:defRPr sz="1733" b="1"/>
+            <a:lvl2pPr marL="487695" indent="0">
+              <a:buNone/>
+              <a:defRPr sz="2133" b="1"/>
             </a:lvl2pPr>
-            <a:lvl3pPr marL="792510" indent="0">
-              <a:buNone/>
-              <a:defRPr sz="1560" b="1"/>
+            <a:lvl3pPr marL="975390" indent="0">
+              <a:buNone/>
+              <a:defRPr sz="1920" b="1"/>
             </a:lvl3pPr>
-            <a:lvl4pPr marL="1188766" indent="0">
-              <a:buNone/>
-              <a:defRPr sz="1387" b="1"/>
+            <a:lvl4pPr marL="1463086" indent="0">
+              <a:buNone/>
+              <a:defRPr sz="1707" b="1"/>
             </a:lvl4pPr>
-            <a:lvl5pPr marL="1585021" indent="0">
-              <a:buNone/>
-              <a:defRPr sz="1387" b="1"/>
+            <a:lvl5pPr marL="1950781" indent="0">
+              <a:buNone/>
+              <a:defRPr sz="1707" b="1"/>
             </a:lvl5pPr>
-            <a:lvl6pPr marL="1981276" indent="0">
-              <a:buNone/>
-              <a:defRPr sz="1387" b="1"/>
+            <a:lvl6pPr marL="2438476" indent="0">
+              <a:buNone/>
+              <a:defRPr sz="1707" b="1"/>
             </a:lvl6pPr>
-            <a:lvl7pPr marL="2377531" indent="0">
-              <a:buNone/>
-              <a:defRPr sz="1387" b="1"/>
+            <a:lvl7pPr marL="2926171" indent="0">
+              <a:buNone/>
+              <a:defRPr sz="1707" b="1"/>
             </a:lvl7pPr>
-            <a:lvl8pPr marL="2773787" indent="0">
-              <a:buNone/>
-              <a:defRPr sz="1387" b="1"/>
+            <a:lvl8pPr marL="3413867" indent="0">
+              <a:buNone/>
+              <a:defRPr sz="1707" b="1"/>
             </a:lvl8pPr>
-            <a:lvl9pPr marL="3170042" indent="0">
-              <a:buNone/>
-              <a:defRPr sz="1387" b="1"/>
+            <a:lvl9pPr marL="3901562" indent="0">
+              <a:buNone/>
+              <a:defRPr sz="1707" b="1"/>
             </a:lvl9pPr>
           </a:lstStyle>
           <a:p>
@@ -1547,8 +1547,8 @@
         </p:nvSpPr>
         <p:spPr>
           <a:xfrm>
-            <a:off x="25923240" y="2171065"/>
-            <a:ext cx="21769390" cy="3193310"/>
+            <a:off x="25923240" y="2672080"/>
+            <a:ext cx="21769390" cy="3930227"/>
           </a:xfrm>
         </p:spPr>
         <p:txBody>
@@ -1609,7 +1609,7 @@
           <a:p>
             <a:fld id="{866052F7-BBB9-4893-8448-080437B8F3C7}" type="datetimeFigureOut">
               <a:rPr lang="en-US" smtClean="0"/>
-              <a:t>7/20/2020</a:t>
+              <a:t>7/24/2020</a:t>
             </a:fld>
             <a:endParaRPr lang="en-US"/>
           </a:p>
@@ -1660,7 +1660,7 @@
     </p:spTree>
     <p:extLst>
       <p:ext uri="{BB962C8B-B14F-4D97-AF65-F5344CB8AC3E}">
-        <p14:creationId xmlns:p14="http://schemas.microsoft.com/office/powerpoint/2010/main" val="2030699084"/>
+        <p14:creationId xmlns:p14="http://schemas.microsoft.com/office/powerpoint/2010/main" val="1584088094"/>
       </p:ext>
     </p:extLst>
   </p:cSld>
@@ -1727,7 +1727,7 @@
           <a:p>
             <a:fld id="{866052F7-BBB9-4893-8448-080437B8F3C7}" type="datetimeFigureOut">
               <a:rPr lang="en-US" smtClean="0"/>
-              <a:t>7/20/2020</a:t>
+              <a:t>7/24/2020</a:t>
             </a:fld>
             <a:endParaRPr lang="en-US"/>
           </a:p>
@@ -1778,7 +1778,7 @@
     </p:spTree>
     <p:extLst>
       <p:ext uri="{BB962C8B-B14F-4D97-AF65-F5344CB8AC3E}">
-        <p14:creationId xmlns:p14="http://schemas.microsoft.com/office/powerpoint/2010/main" val="78942165"/>
+        <p14:creationId xmlns:p14="http://schemas.microsoft.com/office/powerpoint/2010/main" val="3620082378"/>
       </p:ext>
     </p:extLst>
   </p:cSld>
@@ -1822,7 +1822,7 @@
           <a:p>
             <a:fld id="{866052F7-BBB9-4893-8448-080437B8F3C7}" type="datetimeFigureOut">
               <a:rPr lang="en-US" smtClean="0"/>
-              <a:t>7/20/2020</a:t>
+              <a:t>7/24/2020</a:t>
             </a:fld>
             <a:endParaRPr lang="en-US"/>
           </a:p>
@@ -1873,7 +1873,7 @@
     </p:spTree>
     <p:extLst>
       <p:ext uri="{BB962C8B-B14F-4D97-AF65-F5344CB8AC3E}">
-        <p14:creationId xmlns:p14="http://schemas.microsoft.com/office/powerpoint/2010/main" val="2294690518"/>
+        <p14:creationId xmlns:p14="http://schemas.microsoft.com/office/powerpoint/2010/main" val="4032459187"/>
       </p:ext>
     </p:extLst>
   </p:cSld>
@@ -1912,15 +1912,15 @@
         </p:nvSpPr>
         <p:spPr>
           <a:xfrm>
-            <a:off x="3527112" y="396240"/>
-            <a:ext cx="16515395" cy="1386840"/>
+            <a:off x="3527112" y="487680"/>
+            <a:ext cx="16515395" cy="1706880"/>
           </a:xfrm>
         </p:spPr>
         <p:txBody>
           <a:bodyPr anchor="b"/>
           <a:lstStyle>
             <a:lvl1pPr>
-              <a:defRPr sz="2773"/>
+              <a:defRPr sz="3413"/>
             </a:lvl1pPr>
           </a:lstStyle>
           <a:p>
@@ -1944,39 +1944,39 @@
         </p:nvSpPr>
         <p:spPr>
           <a:xfrm>
-            <a:off x="21769390" y="855769"/>
-            <a:ext cx="25923240" cy="4223808"/>
+            <a:off x="21769390" y="1053254"/>
+            <a:ext cx="25923240" cy="5198533"/>
           </a:xfrm>
         </p:spPr>
         <p:txBody>
           <a:bodyPr/>
           <a:lstStyle>
             <a:lvl1pPr>
-              <a:defRPr sz="2773"/>
+              <a:defRPr sz="3413"/>
             </a:lvl1pPr>
             <a:lvl2pPr>
-              <a:defRPr sz="2427"/>
+              <a:defRPr sz="2987"/>
             </a:lvl2pPr>
             <a:lvl3pPr>
-              <a:defRPr sz="2080"/>
+              <a:defRPr sz="2560"/>
             </a:lvl3pPr>
             <a:lvl4pPr>
-              <a:defRPr sz="1733"/>
+              <a:defRPr sz="2133"/>
             </a:lvl4pPr>
             <a:lvl5pPr>
-              <a:defRPr sz="1733"/>
+              <a:defRPr sz="2133"/>
             </a:lvl5pPr>
             <a:lvl6pPr>
-              <a:defRPr sz="1733"/>
+              <a:defRPr sz="2133"/>
             </a:lvl6pPr>
             <a:lvl7pPr>
-              <a:defRPr sz="1733"/>
+              <a:defRPr sz="2133"/>
             </a:lvl7pPr>
             <a:lvl8pPr>
-              <a:defRPr sz="1733"/>
+              <a:defRPr sz="2133"/>
             </a:lvl8pPr>
             <a:lvl9pPr>
-              <a:defRPr sz="1733"/>
+              <a:defRPr sz="2133"/>
             </a:lvl9pPr>
           </a:lstStyle>
           <a:p>
@@ -2029,8 +2029,8 @@
         </p:nvSpPr>
         <p:spPr>
           <a:xfrm>
-            <a:off x="3527112" y="1783080"/>
-            <a:ext cx="16515395" cy="3303376"/>
+            <a:off x="3527112" y="2194560"/>
+            <a:ext cx="16515395" cy="4065694"/>
           </a:xfrm>
         </p:spPr>
         <p:txBody>
@@ -2038,39 +2038,39 @@
           <a:lstStyle>
             <a:lvl1pPr marL="0" indent="0">
               <a:buNone/>
-              <a:defRPr sz="1387"/>
+              <a:defRPr sz="1707"/>
             </a:lvl1pPr>
-            <a:lvl2pPr marL="396255" indent="0">
-              <a:buNone/>
-              <a:defRPr sz="1213"/>
+            <a:lvl2pPr marL="487695" indent="0">
+              <a:buNone/>
+              <a:defRPr sz="1493"/>
             </a:lvl2pPr>
-            <a:lvl3pPr marL="792510" indent="0">
-              <a:buNone/>
-              <a:defRPr sz="1040"/>
+            <a:lvl3pPr marL="975390" indent="0">
+              <a:buNone/>
+              <a:defRPr sz="1280"/>
             </a:lvl3pPr>
-            <a:lvl4pPr marL="1188766" indent="0">
-              <a:buNone/>
-              <a:defRPr sz="867"/>
+            <a:lvl4pPr marL="1463086" indent="0">
+              <a:buNone/>
+              <a:defRPr sz="1067"/>
             </a:lvl4pPr>
-            <a:lvl5pPr marL="1585021" indent="0">
-              <a:buNone/>
-              <a:defRPr sz="867"/>
+            <a:lvl5pPr marL="1950781" indent="0">
+              <a:buNone/>
+              <a:defRPr sz="1067"/>
             </a:lvl5pPr>
-            <a:lvl6pPr marL="1981276" indent="0">
-              <a:buNone/>
-              <a:defRPr sz="867"/>
+            <a:lvl6pPr marL="2438476" indent="0">
+              <a:buNone/>
+              <a:defRPr sz="1067"/>
             </a:lvl6pPr>
-            <a:lvl7pPr marL="2377531" indent="0">
-              <a:buNone/>
-              <a:defRPr sz="867"/>
+            <a:lvl7pPr marL="2926171" indent="0">
+              <a:buNone/>
+              <a:defRPr sz="1067"/>
             </a:lvl7pPr>
-            <a:lvl8pPr marL="2773787" indent="0">
-              <a:buNone/>
-              <a:defRPr sz="867"/>
+            <a:lvl8pPr marL="3413867" indent="0">
+              <a:buNone/>
+              <a:defRPr sz="1067"/>
             </a:lvl8pPr>
-            <a:lvl9pPr marL="3170042" indent="0">
-              <a:buNone/>
-              <a:defRPr sz="867"/>
+            <a:lvl9pPr marL="3901562" indent="0">
+              <a:buNone/>
+              <a:defRPr sz="1067"/>
             </a:lvl9pPr>
           </a:lstStyle>
           <a:p>
@@ -2099,7 +2099,7 @@
           <a:p>
             <a:fld id="{866052F7-BBB9-4893-8448-080437B8F3C7}" type="datetimeFigureOut">
               <a:rPr lang="en-US" smtClean="0"/>
-              <a:t>7/20/2020</a:t>
+              <a:t>7/24/2020</a:t>
             </a:fld>
             <a:endParaRPr lang="en-US"/>
           </a:p>
@@ -2150,7 +2150,7 @@
     </p:spTree>
     <p:extLst>
       <p:ext uri="{BB962C8B-B14F-4D97-AF65-F5344CB8AC3E}">
-        <p14:creationId xmlns:p14="http://schemas.microsoft.com/office/powerpoint/2010/main" val="3558276668"/>
+        <p14:creationId xmlns:p14="http://schemas.microsoft.com/office/powerpoint/2010/main" val="3745029223"/>
       </p:ext>
     </p:extLst>
   </p:cSld>
@@ -2189,15 +2189,15 @@
         </p:nvSpPr>
         <p:spPr>
           <a:xfrm>
-            <a:off x="3527112" y="396240"/>
-            <a:ext cx="16515395" cy="1386840"/>
+            <a:off x="3527112" y="487680"/>
+            <a:ext cx="16515395" cy="1706880"/>
           </a:xfrm>
         </p:spPr>
         <p:txBody>
           <a:bodyPr anchor="b"/>
           <a:lstStyle>
             <a:lvl1pPr>
-              <a:defRPr sz="2773"/>
+              <a:defRPr sz="3413"/>
             </a:lvl1pPr>
           </a:lstStyle>
           <a:p>
@@ -2221,8 +2221,8 @@
         </p:nvSpPr>
         <p:spPr>
           <a:xfrm>
-            <a:off x="21769390" y="855769"/>
-            <a:ext cx="25923240" cy="4223808"/>
+            <a:off x="21769390" y="1053254"/>
+            <a:ext cx="25923240" cy="5198533"/>
           </a:xfrm>
         </p:spPr>
         <p:txBody>
@@ -2230,39 +2230,39 @@
           <a:lstStyle>
             <a:lvl1pPr marL="0" indent="0">
               <a:buNone/>
-              <a:defRPr sz="2773"/>
+              <a:defRPr sz="3413"/>
             </a:lvl1pPr>
-            <a:lvl2pPr marL="396255" indent="0">
-              <a:buNone/>
-              <a:defRPr sz="2427"/>
+            <a:lvl2pPr marL="487695" indent="0">
+              <a:buNone/>
+              <a:defRPr sz="2987"/>
             </a:lvl2pPr>
-            <a:lvl3pPr marL="792510" indent="0">
-              <a:buNone/>
-              <a:defRPr sz="2080"/>
+            <a:lvl3pPr marL="975390" indent="0">
+              <a:buNone/>
+              <a:defRPr sz="2560"/>
             </a:lvl3pPr>
-            <a:lvl4pPr marL="1188766" indent="0">
-              <a:buNone/>
-              <a:defRPr sz="1733"/>
+            <a:lvl4pPr marL="1463086" indent="0">
+              <a:buNone/>
+              <a:defRPr sz="2133"/>
             </a:lvl4pPr>
-            <a:lvl5pPr marL="1585021" indent="0">
-              <a:buNone/>
-              <a:defRPr sz="1733"/>
+            <a:lvl5pPr marL="1950781" indent="0">
+              <a:buNone/>
+              <a:defRPr sz="2133"/>
             </a:lvl5pPr>
-            <a:lvl6pPr marL="1981276" indent="0">
-              <a:buNone/>
-              <a:defRPr sz="1733"/>
+            <a:lvl6pPr marL="2438476" indent="0">
+              <a:buNone/>
+              <a:defRPr sz="2133"/>
             </a:lvl6pPr>
-            <a:lvl7pPr marL="2377531" indent="0">
-              <a:buNone/>
-              <a:defRPr sz="1733"/>
+            <a:lvl7pPr marL="2926171" indent="0">
+              <a:buNone/>
+              <a:defRPr sz="2133"/>
             </a:lvl7pPr>
-            <a:lvl8pPr marL="2773787" indent="0">
-              <a:buNone/>
-              <a:defRPr sz="1733"/>
+            <a:lvl8pPr marL="3413867" indent="0">
+              <a:buNone/>
+              <a:defRPr sz="2133"/>
             </a:lvl8pPr>
-            <a:lvl9pPr marL="3170042" indent="0">
-              <a:buNone/>
-              <a:defRPr sz="1733"/>
+            <a:lvl9pPr marL="3901562" indent="0">
+              <a:buNone/>
+              <a:defRPr sz="2133"/>
             </a:lvl9pPr>
           </a:lstStyle>
           <a:p>
@@ -2286,8 +2286,8 @@
         </p:nvSpPr>
         <p:spPr>
           <a:xfrm>
-            <a:off x="3527112" y="1783080"/>
-            <a:ext cx="16515395" cy="3303376"/>
+            <a:off x="3527112" y="2194560"/>
+            <a:ext cx="16515395" cy="4065694"/>
           </a:xfrm>
         </p:spPr>
         <p:txBody>
@@ -2295,39 +2295,39 @@
           <a:lstStyle>
             <a:lvl1pPr marL="0" indent="0">
               <a:buNone/>
-              <a:defRPr sz="1387"/>
+              <a:defRPr sz="1707"/>
             </a:lvl1pPr>
-            <a:lvl2pPr marL="396255" indent="0">
-              <a:buNone/>
-              <a:defRPr sz="1213"/>
+            <a:lvl2pPr marL="487695" indent="0">
+              <a:buNone/>
+              <a:defRPr sz="1493"/>
             </a:lvl2pPr>
-            <a:lvl3pPr marL="792510" indent="0">
-              <a:buNone/>
-              <a:defRPr sz="1040"/>
+            <a:lvl3pPr marL="975390" indent="0">
+              <a:buNone/>
+              <a:defRPr sz="1280"/>
             </a:lvl3pPr>
-            <a:lvl4pPr marL="1188766" indent="0">
-              <a:buNone/>
-              <a:defRPr sz="867"/>
+            <a:lvl4pPr marL="1463086" indent="0">
+              <a:buNone/>
+              <a:defRPr sz="1067"/>
             </a:lvl4pPr>
-            <a:lvl5pPr marL="1585021" indent="0">
-              <a:buNone/>
-              <a:defRPr sz="867"/>
+            <a:lvl5pPr marL="1950781" indent="0">
+              <a:buNone/>
+              <a:defRPr sz="1067"/>
             </a:lvl5pPr>
-            <a:lvl6pPr marL="1981276" indent="0">
-              <a:buNone/>
-              <a:defRPr sz="867"/>
+            <a:lvl6pPr marL="2438476" indent="0">
+              <a:buNone/>
+              <a:defRPr sz="1067"/>
             </a:lvl6pPr>
-            <a:lvl7pPr marL="2377531" indent="0">
-              <a:buNone/>
-              <a:defRPr sz="867"/>
+            <a:lvl7pPr marL="2926171" indent="0">
+              <a:buNone/>
+              <a:defRPr sz="1067"/>
             </a:lvl7pPr>
-            <a:lvl8pPr marL="2773787" indent="0">
-              <a:buNone/>
-              <a:defRPr sz="867"/>
+            <a:lvl8pPr marL="3413867" indent="0">
+              <a:buNone/>
+              <a:defRPr sz="1067"/>
             </a:lvl8pPr>
-            <a:lvl9pPr marL="3170042" indent="0">
-              <a:buNone/>
-              <a:defRPr sz="867"/>
+            <a:lvl9pPr marL="3901562" indent="0">
+              <a:buNone/>
+              <a:defRPr sz="1067"/>
             </a:lvl9pPr>
           </a:lstStyle>
           <a:p>
@@ -2356,7 +2356,7 @@
           <a:p>
             <a:fld id="{866052F7-BBB9-4893-8448-080437B8F3C7}" type="datetimeFigureOut">
               <a:rPr lang="en-US" smtClean="0"/>
-              <a:t>7/20/2020</a:t>
+              <a:t>7/24/2020</a:t>
             </a:fld>
             <a:endParaRPr lang="en-US"/>
           </a:p>
@@ -2407,7 +2407,7 @@
     </p:spTree>
     <p:extLst>
       <p:ext uri="{BB962C8B-B14F-4D97-AF65-F5344CB8AC3E}">
-        <p14:creationId xmlns:p14="http://schemas.microsoft.com/office/powerpoint/2010/main" val="2508886618"/>
+        <p14:creationId xmlns:p14="http://schemas.microsoft.com/office/powerpoint/2010/main" val="311813536"/>
       </p:ext>
     </p:extLst>
   </p:cSld>
@@ -2451,8 +2451,8 @@
         </p:nvSpPr>
         <p:spPr>
           <a:xfrm>
-            <a:off x="3520440" y="316442"/>
-            <a:ext cx="44165520" cy="1148821"/>
+            <a:off x="3520440" y="389467"/>
+            <a:ext cx="44165520" cy="1413934"/>
           </a:xfrm>
           <a:prstGeom prst="rect">
             <a:avLst/>
@@ -2484,8 +2484,8 @@
         </p:nvSpPr>
         <p:spPr>
           <a:xfrm>
-            <a:off x="3520440" y="1582208"/>
-            <a:ext cx="44165520" cy="3771160"/>
+            <a:off x="3520440" y="1947333"/>
+            <a:ext cx="44165520" cy="4641427"/>
           </a:xfrm>
           <a:prstGeom prst="rect">
             <a:avLst/>
@@ -2546,8 +2546,8 @@
         </p:nvSpPr>
         <p:spPr>
           <a:xfrm>
-            <a:off x="3520440" y="5508837"/>
-            <a:ext cx="11521440" cy="316442"/>
+            <a:off x="3520440" y="6780107"/>
+            <a:ext cx="11521440" cy="389467"/>
           </a:xfrm>
           <a:prstGeom prst="rect">
             <a:avLst/>
@@ -2557,7 +2557,7 @@
           <a:bodyPr vert="horz" lIns="91440" tIns="45720" rIns="91440" bIns="45720" rtlCol="0" anchor="ctr"/>
           <a:lstStyle>
             <a:lvl1pPr algn="l">
-              <a:defRPr sz="1040">
+              <a:defRPr sz="1280">
                 <a:solidFill>
                   <a:schemeClr val="tx1">
                     <a:tint val="75000"/>
@@ -2569,7 +2569,7 @@
           <a:p>
             <a:fld id="{866052F7-BBB9-4893-8448-080437B8F3C7}" type="datetimeFigureOut">
               <a:rPr lang="en-US" smtClean="0"/>
-              <a:t>7/20/2020</a:t>
+              <a:t>7/24/2020</a:t>
             </a:fld>
             <a:endParaRPr lang="en-US"/>
           </a:p>
@@ -2587,8 +2587,8 @@
         </p:nvSpPr>
         <p:spPr>
           <a:xfrm>
-            <a:off x="16962120" y="5508837"/>
-            <a:ext cx="17282160" cy="316442"/>
+            <a:off x="16962120" y="6780107"/>
+            <a:ext cx="17282160" cy="389467"/>
           </a:xfrm>
           <a:prstGeom prst="rect">
             <a:avLst/>
@@ -2598,7 +2598,7 @@
           <a:bodyPr vert="horz" lIns="91440" tIns="45720" rIns="91440" bIns="45720" rtlCol="0" anchor="ctr"/>
           <a:lstStyle>
             <a:lvl1pPr algn="ctr">
-              <a:defRPr sz="1040">
+              <a:defRPr sz="1280">
                 <a:solidFill>
                   <a:schemeClr val="tx1">
                     <a:tint val="75000"/>
@@ -2624,8 +2624,8 @@
         </p:nvSpPr>
         <p:spPr>
           <a:xfrm>
-            <a:off x="36164520" y="5508837"/>
-            <a:ext cx="11521440" cy="316442"/>
+            <a:off x="36164520" y="6780107"/>
+            <a:ext cx="11521440" cy="389467"/>
           </a:xfrm>
           <a:prstGeom prst="rect">
             <a:avLst/>
@@ -2635,7 +2635,7 @@
           <a:bodyPr vert="horz" lIns="91440" tIns="45720" rIns="91440" bIns="45720" rtlCol="0" anchor="ctr"/>
           <a:lstStyle>
             <a:lvl1pPr algn="r">
-              <a:defRPr sz="1040">
+              <a:defRPr sz="1280">
                 <a:solidFill>
                   <a:schemeClr val="tx1">
                     <a:tint val="75000"/>
@@ -2656,27 +2656,27 @@
     </p:spTree>
     <p:extLst>
       <p:ext uri="{BB962C8B-B14F-4D97-AF65-F5344CB8AC3E}">
-        <p14:creationId xmlns:p14="http://schemas.microsoft.com/office/powerpoint/2010/main" val="488477192"/>
+        <p14:creationId xmlns:p14="http://schemas.microsoft.com/office/powerpoint/2010/main" val="1697317716"/>
       </p:ext>
     </p:extLst>
   </p:cSld>
   <p:clrMap bg1="lt1" tx1="dk1" bg2="lt2" tx2="dk2" accent1="accent1" accent2="accent2" accent3="accent3" accent4="accent4" accent5="accent5" accent6="accent6" hlink="hlink" folHlink="folHlink"/>
   <p:sldLayoutIdLst>
-    <p:sldLayoutId id="2147483745" r:id="rId1"/>
-    <p:sldLayoutId id="2147483746" r:id="rId2"/>
-    <p:sldLayoutId id="2147483747" r:id="rId3"/>
-    <p:sldLayoutId id="2147483748" r:id="rId4"/>
-    <p:sldLayoutId id="2147483749" r:id="rId5"/>
-    <p:sldLayoutId id="2147483750" r:id="rId6"/>
-    <p:sldLayoutId id="2147483751" r:id="rId7"/>
-    <p:sldLayoutId id="2147483752" r:id="rId8"/>
-    <p:sldLayoutId id="2147483753" r:id="rId9"/>
-    <p:sldLayoutId id="2147483754" r:id="rId10"/>
-    <p:sldLayoutId id="2147483755" r:id="rId11"/>
+    <p:sldLayoutId id="2147483757" r:id="rId1"/>
+    <p:sldLayoutId id="2147483758" r:id="rId2"/>
+    <p:sldLayoutId id="2147483759" r:id="rId3"/>
+    <p:sldLayoutId id="2147483760" r:id="rId4"/>
+    <p:sldLayoutId id="2147483761" r:id="rId5"/>
+    <p:sldLayoutId id="2147483762" r:id="rId6"/>
+    <p:sldLayoutId id="2147483763" r:id="rId7"/>
+    <p:sldLayoutId id="2147483764" r:id="rId8"/>
+    <p:sldLayoutId id="2147483765" r:id="rId9"/>
+    <p:sldLayoutId id="2147483766" r:id="rId10"/>
+    <p:sldLayoutId id="2147483767" r:id="rId11"/>
   </p:sldLayoutIdLst>
   <p:txStyles>
     <p:titleStyle>
-      <a:lvl1pPr algn="l" defTabSz="792510" rtl="0" eaLnBrk="1" latinLnBrk="0" hangingPunct="1">
+      <a:lvl1pPr algn="l" defTabSz="975390" rtl="0" eaLnBrk="1" latinLnBrk="0" hangingPunct="1">
         <a:lnSpc>
           <a:spcPct val="90000"/>
         </a:lnSpc>
@@ -2684,7 +2684,7 @@
           <a:spcPct val="0"/>
         </a:spcBef>
         <a:buNone/>
-        <a:defRPr sz="3813" kern="1200">
+        <a:defRPr sz="4693" kern="1200">
           <a:solidFill>
             <a:schemeClr val="tx1"/>
           </a:solidFill>
@@ -2695,16 +2695,16 @@
       </a:lvl1pPr>
     </p:titleStyle>
     <p:bodyStyle>
-      <a:lvl1pPr marL="198128" indent="-198128" algn="l" defTabSz="792510" rtl="0" eaLnBrk="1" latinLnBrk="0" hangingPunct="1">
+      <a:lvl1pPr marL="243848" indent="-243848" algn="l" defTabSz="975390" rtl="0" eaLnBrk="1" latinLnBrk="0" hangingPunct="1">
         <a:lnSpc>
           <a:spcPct val="90000"/>
         </a:lnSpc>
         <a:spcBef>
-          <a:spcPts val="867"/>
+          <a:spcPts val="1067"/>
         </a:spcBef>
         <a:buFont typeface="Arial" panose="020B0604020202020204" pitchFamily="34" charset="0"/>
         <a:buChar char="•"/>
-        <a:defRPr sz="2427" kern="1200">
+        <a:defRPr sz="2987" kern="1200">
           <a:solidFill>
             <a:schemeClr val="tx1"/>
           </a:solidFill>
@@ -2713,16 +2713,16 @@
           <a:cs typeface="+mn-cs"/>
         </a:defRPr>
       </a:lvl1pPr>
-      <a:lvl2pPr marL="594383" indent="-198128" algn="l" defTabSz="792510" rtl="0" eaLnBrk="1" latinLnBrk="0" hangingPunct="1">
+      <a:lvl2pPr marL="731543" indent="-243848" algn="l" defTabSz="975390" rtl="0" eaLnBrk="1" latinLnBrk="0" hangingPunct="1">
         <a:lnSpc>
           <a:spcPct val="90000"/>
         </a:lnSpc>
         <a:spcBef>
-          <a:spcPts val="433"/>
+          <a:spcPts val="533"/>
         </a:spcBef>
         <a:buFont typeface="Arial" panose="020B0604020202020204" pitchFamily="34" charset="0"/>
         <a:buChar char="•"/>
-        <a:defRPr sz="2080" kern="1200">
+        <a:defRPr sz="2560" kern="1200">
           <a:solidFill>
             <a:schemeClr val="tx1"/>
           </a:solidFill>
@@ -2731,16 +2731,16 @@
           <a:cs typeface="+mn-cs"/>
         </a:defRPr>
       </a:lvl2pPr>
-      <a:lvl3pPr marL="990638" indent="-198128" algn="l" defTabSz="792510" rtl="0" eaLnBrk="1" latinLnBrk="0" hangingPunct="1">
+      <a:lvl3pPr marL="1219238" indent="-243848" algn="l" defTabSz="975390" rtl="0" eaLnBrk="1" latinLnBrk="0" hangingPunct="1">
         <a:lnSpc>
           <a:spcPct val="90000"/>
         </a:lnSpc>
         <a:spcBef>
-          <a:spcPts val="433"/>
+          <a:spcPts val="533"/>
         </a:spcBef>
         <a:buFont typeface="Arial" panose="020B0604020202020204" pitchFamily="34" charset="0"/>
         <a:buChar char="•"/>
-        <a:defRPr sz="1733" kern="1200">
+        <a:defRPr sz="2133" kern="1200">
           <a:solidFill>
             <a:schemeClr val="tx1"/>
           </a:solidFill>
@@ -2749,16 +2749,16 @@
           <a:cs typeface="+mn-cs"/>
         </a:defRPr>
       </a:lvl3pPr>
-      <a:lvl4pPr marL="1386893" indent="-198128" algn="l" defTabSz="792510" rtl="0" eaLnBrk="1" latinLnBrk="0" hangingPunct="1">
+      <a:lvl4pPr marL="1706933" indent="-243848" algn="l" defTabSz="975390" rtl="0" eaLnBrk="1" latinLnBrk="0" hangingPunct="1">
         <a:lnSpc>
           <a:spcPct val="90000"/>
         </a:lnSpc>
         <a:spcBef>
-          <a:spcPts val="433"/>
+          <a:spcPts val="533"/>
         </a:spcBef>
         <a:buFont typeface="Arial" panose="020B0604020202020204" pitchFamily="34" charset="0"/>
         <a:buChar char="•"/>
-        <a:defRPr sz="1560" kern="1200">
+        <a:defRPr sz="1920" kern="1200">
           <a:solidFill>
             <a:schemeClr val="tx1"/>
           </a:solidFill>
@@ -2767,16 +2767,16 @@
           <a:cs typeface="+mn-cs"/>
         </a:defRPr>
       </a:lvl4pPr>
-      <a:lvl5pPr marL="1783149" indent="-198128" algn="l" defTabSz="792510" rtl="0" eaLnBrk="1" latinLnBrk="0" hangingPunct="1">
+      <a:lvl5pPr marL="2194629" indent="-243848" algn="l" defTabSz="975390" rtl="0" eaLnBrk="1" latinLnBrk="0" hangingPunct="1">
         <a:lnSpc>
           <a:spcPct val="90000"/>
         </a:lnSpc>
         <a:spcBef>
-          <a:spcPts val="433"/>
+          <a:spcPts val="533"/>
         </a:spcBef>
         <a:buFont typeface="Arial" panose="020B0604020202020204" pitchFamily="34" charset="0"/>
         <a:buChar char="•"/>
-        <a:defRPr sz="1560" kern="1200">
+        <a:defRPr sz="1920" kern="1200">
           <a:solidFill>
             <a:schemeClr val="tx1"/>
           </a:solidFill>
@@ -2785,16 +2785,16 @@
           <a:cs typeface="+mn-cs"/>
         </a:defRPr>
       </a:lvl5pPr>
-      <a:lvl6pPr marL="2179404" indent="-198128" algn="l" defTabSz="792510" rtl="0" eaLnBrk="1" latinLnBrk="0" hangingPunct="1">
+      <a:lvl6pPr marL="2682324" indent="-243848" algn="l" defTabSz="975390" rtl="0" eaLnBrk="1" latinLnBrk="0" hangingPunct="1">
         <a:lnSpc>
           <a:spcPct val="90000"/>
         </a:lnSpc>
         <a:spcBef>
-          <a:spcPts val="433"/>
+          <a:spcPts val="533"/>
         </a:spcBef>
         <a:buFont typeface="Arial" panose="020B0604020202020204" pitchFamily="34" charset="0"/>
         <a:buChar char="•"/>
-        <a:defRPr sz="1560" kern="1200">
+        <a:defRPr sz="1920" kern="1200">
           <a:solidFill>
             <a:schemeClr val="tx1"/>
           </a:solidFill>
@@ -2803,16 +2803,16 @@
           <a:cs typeface="+mn-cs"/>
         </a:defRPr>
       </a:lvl6pPr>
-      <a:lvl7pPr marL="2575659" indent="-198128" algn="l" defTabSz="792510" rtl="0" eaLnBrk="1" latinLnBrk="0" hangingPunct="1">
+      <a:lvl7pPr marL="3170019" indent="-243848" algn="l" defTabSz="975390" rtl="0" eaLnBrk="1" latinLnBrk="0" hangingPunct="1">
         <a:lnSpc>
           <a:spcPct val="90000"/>
         </a:lnSpc>
         <a:spcBef>
-          <a:spcPts val="433"/>
+          <a:spcPts val="533"/>
         </a:spcBef>
         <a:buFont typeface="Arial" panose="020B0604020202020204" pitchFamily="34" charset="0"/>
         <a:buChar char="•"/>
-        <a:defRPr sz="1560" kern="1200">
+        <a:defRPr sz="1920" kern="1200">
           <a:solidFill>
             <a:schemeClr val="tx1"/>
           </a:solidFill>
@@ -2821,16 +2821,16 @@
           <a:cs typeface="+mn-cs"/>
         </a:defRPr>
       </a:lvl7pPr>
-      <a:lvl8pPr marL="2971914" indent="-198128" algn="l" defTabSz="792510" rtl="0" eaLnBrk="1" latinLnBrk="0" hangingPunct="1">
+      <a:lvl8pPr marL="3657714" indent="-243848" algn="l" defTabSz="975390" rtl="0" eaLnBrk="1" latinLnBrk="0" hangingPunct="1">
         <a:lnSpc>
           <a:spcPct val="90000"/>
         </a:lnSpc>
         <a:spcBef>
-          <a:spcPts val="433"/>
+          <a:spcPts val="533"/>
         </a:spcBef>
         <a:buFont typeface="Arial" panose="020B0604020202020204" pitchFamily="34" charset="0"/>
         <a:buChar char="•"/>
-        <a:defRPr sz="1560" kern="1200">
+        <a:defRPr sz="1920" kern="1200">
           <a:solidFill>
             <a:schemeClr val="tx1"/>
           </a:solidFill>
@@ -2839,16 +2839,16 @@
           <a:cs typeface="+mn-cs"/>
         </a:defRPr>
       </a:lvl8pPr>
-      <a:lvl9pPr marL="3368170" indent="-198128" algn="l" defTabSz="792510" rtl="0" eaLnBrk="1" latinLnBrk="0" hangingPunct="1">
+      <a:lvl9pPr marL="4145410" indent="-243848" algn="l" defTabSz="975390" rtl="0" eaLnBrk="1" latinLnBrk="0" hangingPunct="1">
         <a:lnSpc>
           <a:spcPct val="90000"/>
         </a:lnSpc>
         <a:spcBef>
-          <a:spcPts val="433"/>
+          <a:spcPts val="533"/>
         </a:spcBef>
         <a:buFont typeface="Arial" panose="020B0604020202020204" pitchFamily="34" charset="0"/>
         <a:buChar char="•"/>
-        <a:defRPr sz="1560" kern="1200">
+        <a:defRPr sz="1920" kern="1200">
           <a:solidFill>
             <a:schemeClr val="tx1"/>
           </a:solidFill>
@@ -2862,8 +2862,8 @@
       <a:defPPr>
         <a:defRPr lang="en-US"/>
       </a:defPPr>
-      <a:lvl1pPr marL="0" algn="l" defTabSz="792510" rtl="0" eaLnBrk="1" latinLnBrk="0" hangingPunct="1">
-        <a:defRPr sz="1560" kern="1200">
+      <a:lvl1pPr marL="0" algn="l" defTabSz="975390" rtl="0" eaLnBrk="1" latinLnBrk="0" hangingPunct="1">
+        <a:defRPr sz="1920" kern="1200">
           <a:solidFill>
             <a:schemeClr val="tx1"/>
           </a:solidFill>
@@ -2872,8 +2872,8 @@
           <a:cs typeface="+mn-cs"/>
         </a:defRPr>
       </a:lvl1pPr>
-      <a:lvl2pPr marL="396255" algn="l" defTabSz="792510" rtl="0" eaLnBrk="1" latinLnBrk="0" hangingPunct="1">
-        <a:defRPr sz="1560" kern="1200">
+      <a:lvl2pPr marL="487695" algn="l" defTabSz="975390" rtl="0" eaLnBrk="1" latinLnBrk="0" hangingPunct="1">
+        <a:defRPr sz="1920" kern="1200">
           <a:solidFill>
             <a:schemeClr val="tx1"/>
           </a:solidFill>
@@ -2882,8 +2882,8 @@
           <a:cs typeface="+mn-cs"/>
         </a:defRPr>
       </a:lvl2pPr>
-      <a:lvl3pPr marL="792510" algn="l" defTabSz="792510" rtl="0" eaLnBrk="1" latinLnBrk="0" hangingPunct="1">
-        <a:defRPr sz="1560" kern="1200">
+      <a:lvl3pPr marL="975390" algn="l" defTabSz="975390" rtl="0" eaLnBrk="1" latinLnBrk="0" hangingPunct="1">
+        <a:defRPr sz="1920" kern="1200">
           <a:solidFill>
             <a:schemeClr val="tx1"/>
           </a:solidFill>
@@ -2892,8 +2892,8 @@
           <a:cs typeface="+mn-cs"/>
         </a:defRPr>
       </a:lvl3pPr>
-      <a:lvl4pPr marL="1188766" algn="l" defTabSz="792510" rtl="0" eaLnBrk="1" latinLnBrk="0" hangingPunct="1">
-        <a:defRPr sz="1560" kern="1200">
+      <a:lvl4pPr marL="1463086" algn="l" defTabSz="975390" rtl="0" eaLnBrk="1" latinLnBrk="0" hangingPunct="1">
+        <a:defRPr sz="1920" kern="1200">
           <a:solidFill>
             <a:schemeClr val="tx1"/>
           </a:solidFill>
@@ -2902,8 +2902,8 @@
           <a:cs typeface="+mn-cs"/>
         </a:defRPr>
       </a:lvl4pPr>
-      <a:lvl5pPr marL="1585021" algn="l" defTabSz="792510" rtl="0" eaLnBrk="1" latinLnBrk="0" hangingPunct="1">
-        <a:defRPr sz="1560" kern="1200">
+      <a:lvl5pPr marL="1950781" algn="l" defTabSz="975390" rtl="0" eaLnBrk="1" latinLnBrk="0" hangingPunct="1">
+        <a:defRPr sz="1920" kern="1200">
           <a:solidFill>
             <a:schemeClr val="tx1"/>
           </a:solidFill>
@@ -2912,8 +2912,8 @@
           <a:cs typeface="+mn-cs"/>
         </a:defRPr>
       </a:lvl5pPr>
-      <a:lvl6pPr marL="1981276" algn="l" defTabSz="792510" rtl="0" eaLnBrk="1" latinLnBrk="0" hangingPunct="1">
-        <a:defRPr sz="1560" kern="1200">
+      <a:lvl6pPr marL="2438476" algn="l" defTabSz="975390" rtl="0" eaLnBrk="1" latinLnBrk="0" hangingPunct="1">
+        <a:defRPr sz="1920" kern="1200">
           <a:solidFill>
             <a:schemeClr val="tx1"/>
           </a:solidFill>
@@ -2922,8 +2922,8 @@
           <a:cs typeface="+mn-cs"/>
         </a:defRPr>
       </a:lvl6pPr>
-      <a:lvl7pPr marL="2377531" algn="l" defTabSz="792510" rtl="0" eaLnBrk="1" latinLnBrk="0" hangingPunct="1">
-        <a:defRPr sz="1560" kern="1200">
+      <a:lvl7pPr marL="2926171" algn="l" defTabSz="975390" rtl="0" eaLnBrk="1" latinLnBrk="0" hangingPunct="1">
+        <a:defRPr sz="1920" kern="1200">
           <a:solidFill>
             <a:schemeClr val="tx1"/>
           </a:solidFill>
@@ -2932,8 +2932,8 @@
           <a:cs typeface="+mn-cs"/>
         </a:defRPr>
       </a:lvl7pPr>
-      <a:lvl8pPr marL="2773787" algn="l" defTabSz="792510" rtl="0" eaLnBrk="1" latinLnBrk="0" hangingPunct="1">
-        <a:defRPr sz="1560" kern="1200">
+      <a:lvl8pPr marL="3413867" algn="l" defTabSz="975390" rtl="0" eaLnBrk="1" latinLnBrk="0" hangingPunct="1">
+        <a:defRPr sz="1920" kern="1200">
           <a:solidFill>
             <a:schemeClr val="tx1"/>
           </a:solidFill>
@@ -2942,8 +2942,8 @@
           <a:cs typeface="+mn-cs"/>
         </a:defRPr>
       </a:lvl8pPr>
-      <a:lvl9pPr marL="3170042" algn="l" defTabSz="792510" rtl="0" eaLnBrk="1" latinLnBrk="0" hangingPunct="1">
-        <a:defRPr sz="1560" kern="1200">
+      <a:lvl9pPr marL="3901562" algn="l" defTabSz="975390" rtl="0" eaLnBrk="1" latinLnBrk="0" hangingPunct="1">
+        <a:defRPr sz="1920" kern="1200">
           <a:solidFill>
             <a:schemeClr val="tx1"/>
           </a:solidFill>
@@ -2984,135 +2984,6 @@
       </p:grpSpPr>
       <p:sp>
         <p:nvSpPr>
-          <p:cNvPr id="3" name="Rectangle 2">
-            <a:extLst>
-              <a:ext uri="{FF2B5EF4-FFF2-40B4-BE49-F238E27FC236}">
-                <a16:creationId xmlns:a16="http://schemas.microsoft.com/office/drawing/2014/main" id="{E0F923DB-06A6-4243-B273-10BE5B0FE332}"/>
-              </a:ext>
-            </a:extLst>
-          </p:cNvPr>
-          <p:cNvSpPr/>
-          <p:nvPr/>
-        </p:nvSpPr>
-        <p:spPr>
-          <a:xfrm>
-            <a:off x="10917417" y="1157973"/>
-            <a:ext cx="10604121" cy="1609480"/>
-          </a:xfrm>
-          <a:prstGeom prst="rect">
-            <a:avLst/>
-          </a:prstGeom>
-          <a:noFill/>
-        </p:spPr>
-        <p:txBody>
-          <a:bodyPr wrap="none" lIns="52832" tIns="26416" rIns="52832" bIns="26416">
-            <a:spAutoFit/>
-          </a:bodyPr>
-          <a:lstStyle/>
-          <a:p>
-            <a:pPr algn="ctr"/>
-            <a:r>
-              <a:rPr lang="en-US" sz="10112" spc="30" dirty="0">
-                <a:ln w="0"/>
-                <a:solidFill>
-                  <a:schemeClr val="bg2"/>
-                </a:solidFill>
-                <a:effectLst>
-                  <a:outerShdw blurRad="38100" dist="38100" dir="2700000" algn="tl">
-                    <a:srgbClr val="000000">
-                      <a:alpha val="43137"/>
-                    </a:srgbClr>
-                  </a:outerShdw>
-                </a:effectLst>
-                <a:latin typeface="Georgia" panose="02040502050405020303" pitchFamily="18" charset="0"/>
-              </a:rPr>
-              <a:t>Ahammad Shawki</a:t>
-            </a:r>
-          </a:p>
-        </p:txBody>
-      </p:sp>
-      <p:sp>
-        <p:nvSpPr>
-          <p:cNvPr id="4" name="Rectangle 3">
-            <a:extLst>
-              <a:ext uri="{FF2B5EF4-FFF2-40B4-BE49-F238E27FC236}">
-                <a16:creationId xmlns:a16="http://schemas.microsoft.com/office/drawing/2014/main" id="{26F8E512-1E7F-4C33-81AC-F2459607A8C5}"/>
-              </a:ext>
-            </a:extLst>
-          </p:cNvPr>
-          <p:cNvSpPr/>
-          <p:nvPr/>
-        </p:nvSpPr>
-        <p:spPr>
-          <a:xfrm>
-            <a:off x="10918049" y="2611702"/>
-            <a:ext cx="10142777" cy="720325"/>
-          </a:xfrm>
-          <a:prstGeom prst="rect">
-            <a:avLst/>
-          </a:prstGeom>
-          <a:noFill/>
-        </p:spPr>
-        <p:txBody>
-          <a:bodyPr wrap="none" lIns="52832" tIns="26416" rIns="52832" bIns="26416">
-            <a:spAutoFit/>
-          </a:bodyPr>
-          <a:lstStyle/>
-          <a:p>
-            <a:pPr algn="ctr"/>
-            <a:r>
-              <a:rPr lang="en-US" sz="4334" i="1" spc="30" dirty="0">
-                <a:ln w="0"/>
-                <a:solidFill>
-                  <a:schemeClr val="bg2"/>
-                </a:solidFill>
-                <a:latin typeface="Georgia" panose="02040502050405020303" pitchFamily="18" charset="0"/>
-              </a:rPr>
-              <a:t>Talent without Hardworking is nothing</a:t>
-            </a:r>
-          </a:p>
-        </p:txBody>
-      </p:sp>
-    </p:spTree>
-    <p:extLst>
-      <p:ext uri="{BB962C8B-B14F-4D97-AF65-F5344CB8AC3E}">
-        <p14:creationId xmlns:p14="http://schemas.microsoft.com/office/powerpoint/2010/main" val="3459768559"/>
-      </p:ext>
-    </p:extLst>
-  </p:cSld>
-  <p:clrMapOvr>
-    <a:masterClrMapping/>
-  </p:clrMapOvr>
-</p:sld>
-</file>
-
-<file path=ppt/slides/slide2.xml><?xml version="1.0" encoding="utf-8"?>
-<p:sld xmlns:a="http://schemas.openxmlformats.org/drawingml/2006/main" xmlns:r="http://schemas.openxmlformats.org/officeDocument/2006/relationships" xmlns:p="http://schemas.openxmlformats.org/presentationml/2006/main">
-  <p:cSld>
-    <p:bg>
-      <p:bgPr>
-        <a:solidFill>
-          <a:srgbClr val="7030A0"/>
-        </a:solidFill>
-        <a:effectLst/>
-      </p:bgPr>
-    </p:bg>
-    <p:spTree>
-      <p:nvGrpSpPr>
-        <p:cNvPr id="1" name=""/>
-        <p:cNvGrpSpPr/>
-        <p:nvPr/>
-      </p:nvGrpSpPr>
-      <p:grpSpPr>
-        <a:xfrm>
-          <a:off x="0" y="0"/>
-          <a:ext cx="0" cy="0"/>
-          <a:chOff x="0" y="0"/>
-          <a:chExt cx="0" cy="0"/>
-        </a:xfrm>
-      </p:grpSpPr>
-      <p:sp>
-        <p:nvSpPr>
           <p:cNvPr id="2" name="Rectangle 1">
             <a:extLst>
               <a:ext uri="{FF2B5EF4-FFF2-40B4-BE49-F238E27FC236}">
@@ -3125,7 +2996,7 @@
         </p:nvSpPr>
         <p:spPr>
           <a:xfrm>
-            <a:off x="20898322" y="626133"/>
+            <a:off x="20898323" y="1311934"/>
             <a:ext cx="9409755" cy="1926681"/>
           </a:xfrm>
           <a:prstGeom prst="rect">
@@ -3192,7 +3063,7 @@
         </p:blipFill>
         <p:spPr>
           <a:xfrm>
-            <a:off x="22874508" y="2649137"/>
+            <a:off x="22874508" y="3334937"/>
             <a:ext cx="2591966" cy="2591966"/>
           </a:xfrm>
           <a:prstGeom prst="rect">
@@ -3249,7 +3120,7 @@
         </p:blipFill>
         <p:spPr>
           <a:xfrm>
-            <a:off x="26147624" y="2674014"/>
+            <a:off x="26147624" y="3359814"/>
             <a:ext cx="2591966" cy="2570184"/>
           </a:xfrm>
           <a:prstGeom prst="rect">
@@ -3271,7 +3142,7 @@
         </p:nvSpPr>
         <p:spPr>
           <a:xfrm>
-            <a:off x="41139938" y="4825604"/>
+            <a:off x="41139939" y="5511405"/>
             <a:ext cx="9648475" cy="830997"/>
           </a:xfrm>
           <a:prstGeom prst="rect">
@@ -3280,14 +3151,14 @@
           <a:noFill/>
         </p:spPr>
         <p:txBody>
-          <a:bodyPr wrap="none" lIns="91440" tIns="45720" rIns="91440" bIns="45720">
+          <a:bodyPr wrap="square" lIns="91440" tIns="45720" rIns="91440" bIns="45720">
             <a:spAutoFit/>
           </a:bodyPr>
           <a:lstStyle/>
           <a:p>
             <a:pPr algn="ctr"/>
             <a:r>
-              <a:rPr lang="en-US" sz="4800" cap="none" spc="50" dirty="0">
+              <a:rPr lang="en-US" sz="4800" spc="50" dirty="0">
                 <a:ln w="0"/>
                 <a:solidFill>
                   <a:schemeClr val="bg1"/>
@@ -3298,7 +3169,7 @@
               <a:t>Build</a:t>
             </a:r>
             <a:r>
-              <a:rPr lang="en-US" sz="4800" cap="none" spc="50" dirty="0">
+              <a:rPr lang="en-US" sz="4800" spc="50" dirty="0">
                 <a:ln w="0"/>
                 <a:solidFill>
                   <a:srgbClr val="7030A0"/>
@@ -3309,7 +3180,7 @@
               <a:t> </a:t>
             </a:r>
             <a:r>
-              <a:rPr lang="en-US" sz="4800" cap="none" spc="50" dirty="0">
+              <a:rPr lang="en-US" sz="4800" spc="50" dirty="0">
                 <a:ln w="0"/>
                 <a:solidFill>
                   <a:schemeClr val="bg1"/>
@@ -3335,7 +3206,7 @@
               <a:t>❤ </a:t>
             </a:r>
             <a:r>
-              <a:rPr lang="en-US" sz="4800" cap="none" spc="50" dirty="0">
+              <a:rPr lang="en-US" sz="4800" spc="50" dirty="0">
                 <a:ln w="0"/>
                 <a:solidFill>
                   <a:schemeClr val="bg1"/>
@@ -3348,10 +3219,189 @@
           </a:p>
         </p:txBody>
       </p:sp>
+      <p:sp>
+        <p:nvSpPr>
+          <p:cNvPr id="7" name="Rectangle 6">
+            <a:extLst>
+              <a:ext uri="{FF2B5EF4-FFF2-40B4-BE49-F238E27FC236}">
+                <a16:creationId xmlns:a16="http://schemas.microsoft.com/office/drawing/2014/main" id="{9CBFE557-3BDF-4C9B-BB4A-00B59964E35D}"/>
+              </a:ext>
+            </a:extLst>
+          </p:cNvPr>
+          <p:cNvSpPr/>
+          <p:nvPr/>
+        </p:nvSpPr>
+        <p:spPr>
+          <a:xfrm>
+            <a:off x="417987" y="5511404"/>
+            <a:ext cx="13827402" cy="830997"/>
+          </a:xfrm>
+          <a:prstGeom prst="rect">
+            <a:avLst/>
+          </a:prstGeom>
+          <a:noFill/>
+        </p:spPr>
+        <p:txBody>
+          <a:bodyPr wrap="square" lIns="91440" tIns="45720" rIns="91440" bIns="45720">
+            <a:spAutoFit/>
+          </a:bodyPr>
+          <a:lstStyle/>
+          <a:p>
+            <a:pPr algn="ctr"/>
+            <a:r>
+              <a:rPr lang="en-US" sz="4800" dirty="0">
+                <a:solidFill>
+                  <a:schemeClr val="bg1"/>
+                </a:solidFill>
+                <a:latin typeface="Arial" panose="020B0604020202020204" pitchFamily="34" charset="0"/>
+                <a:cs typeface="Arial" panose="020B0604020202020204" pitchFamily="34" charset="0"/>
+              </a:rPr>
+              <a:t>© Ahammad Shawki 2020. All Rights' Reserved</a:t>
+            </a:r>
+            <a:endParaRPr lang="en-US" sz="11500" spc="50" dirty="0">
+              <a:ln w="0"/>
+              <a:solidFill>
+                <a:schemeClr val="bg1"/>
+              </a:solidFill>
+              <a:latin typeface="Arial" panose="020B0604020202020204" pitchFamily="34" charset="0"/>
+              <a:cs typeface="Arial" panose="020B0604020202020204" pitchFamily="34" charset="0"/>
+            </a:endParaRPr>
+          </a:p>
+        </p:txBody>
+      </p:sp>
     </p:spTree>
     <p:extLst>
       <p:ext uri="{BB962C8B-B14F-4D97-AF65-F5344CB8AC3E}">
         <p14:creationId xmlns:p14="http://schemas.microsoft.com/office/powerpoint/2010/main" val="3705057376"/>
+      </p:ext>
+    </p:extLst>
+  </p:cSld>
+  <p:clrMapOvr>
+    <a:masterClrMapping/>
+  </p:clrMapOvr>
+</p:sld>
+</file>
+
+<file path=ppt/slides/slide2.xml><?xml version="1.0" encoding="utf-8"?>
+<p:sld xmlns:a="http://schemas.openxmlformats.org/drawingml/2006/main" xmlns:r="http://schemas.openxmlformats.org/officeDocument/2006/relationships" xmlns:p="http://schemas.openxmlformats.org/presentationml/2006/main">
+  <p:cSld>
+    <p:bg>
+      <p:bgPr>
+        <a:solidFill>
+          <a:srgbClr val="7030A0"/>
+        </a:solidFill>
+        <a:effectLst/>
+      </p:bgPr>
+    </p:bg>
+    <p:spTree>
+      <p:nvGrpSpPr>
+        <p:cNvPr id="1" name=""/>
+        <p:cNvGrpSpPr/>
+        <p:nvPr/>
+      </p:nvGrpSpPr>
+      <p:grpSpPr>
+        <a:xfrm>
+          <a:off x="0" y="0"/>
+          <a:ext cx="0" cy="0"/>
+          <a:chOff x="0" y="0"/>
+          <a:chExt cx="0" cy="0"/>
+        </a:xfrm>
+      </p:grpSpPr>
+      <p:sp>
+        <p:nvSpPr>
+          <p:cNvPr id="3" name="Rectangle 2">
+            <a:extLst>
+              <a:ext uri="{FF2B5EF4-FFF2-40B4-BE49-F238E27FC236}">
+                <a16:creationId xmlns:a16="http://schemas.microsoft.com/office/drawing/2014/main" id="{E0F923DB-06A6-4243-B273-10BE5B0FE332}"/>
+              </a:ext>
+            </a:extLst>
+          </p:cNvPr>
+          <p:cNvSpPr/>
+          <p:nvPr/>
+        </p:nvSpPr>
+        <p:spPr>
+          <a:xfrm>
+            <a:off x="10917418" y="1843773"/>
+            <a:ext cx="10604121" cy="1609480"/>
+          </a:xfrm>
+          <a:prstGeom prst="rect">
+            <a:avLst/>
+          </a:prstGeom>
+          <a:noFill/>
+        </p:spPr>
+        <p:txBody>
+          <a:bodyPr wrap="none" lIns="52832" tIns="26416" rIns="52832" bIns="26416">
+            <a:spAutoFit/>
+          </a:bodyPr>
+          <a:lstStyle/>
+          <a:p>
+            <a:pPr algn="ctr"/>
+            <a:r>
+              <a:rPr lang="en-US" sz="10112" spc="30" dirty="0">
+                <a:ln w="0"/>
+                <a:solidFill>
+                  <a:schemeClr val="bg2"/>
+                </a:solidFill>
+                <a:effectLst>
+                  <a:outerShdw blurRad="38100" dist="38100" dir="2700000" algn="tl">
+                    <a:srgbClr val="000000">
+                      <a:alpha val="43137"/>
+                    </a:srgbClr>
+                  </a:outerShdw>
+                </a:effectLst>
+                <a:latin typeface="Georgia" panose="02040502050405020303" pitchFamily="18" charset="0"/>
+              </a:rPr>
+              <a:t>Ahammad Shawki</a:t>
+            </a:r>
+          </a:p>
+        </p:txBody>
+      </p:sp>
+      <p:sp>
+        <p:nvSpPr>
+          <p:cNvPr id="4" name="Rectangle 3">
+            <a:extLst>
+              <a:ext uri="{FF2B5EF4-FFF2-40B4-BE49-F238E27FC236}">
+                <a16:creationId xmlns:a16="http://schemas.microsoft.com/office/drawing/2014/main" id="{26F8E512-1E7F-4C33-81AC-F2459607A8C5}"/>
+              </a:ext>
+            </a:extLst>
+          </p:cNvPr>
+          <p:cNvSpPr/>
+          <p:nvPr/>
+        </p:nvSpPr>
+        <p:spPr>
+          <a:xfrm>
+            <a:off x="10918050" y="3297503"/>
+            <a:ext cx="10142777" cy="720325"/>
+          </a:xfrm>
+          <a:prstGeom prst="rect">
+            <a:avLst/>
+          </a:prstGeom>
+          <a:noFill/>
+        </p:spPr>
+        <p:txBody>
+          <a:bodyPr wrap="none" lIns="52832" tIns="26416" rIns="52832" bIns="26416">
+            <a:spAutoFit/>
+          </a:bodyPr>
+          <a:lstStyle/>
+          <a:p>
+            <a:pPr algn="ctr"/>
+            <a:r>
+              <a:rPr lang="en-US" sz="4334" i="1" spc="30" dirty="0">
+                <a:ln w="0"/>
+                <a:solidFill>
+                  <a:schemeClr val="bg2"/>
+                </a:solidFill>
+                <a:latin typeface="Georgia" panose="02040502050405020303" pitchFamily="18" charset="0"/>
+              </a:rPr>
+              <a:t>Talent without Hardworking is nothing</a:t>
+            </a:r>
+          </a:p>
+        </p:txBody>
+      </p:sp>
+    </p:spTree>
+    <p:extLst>
+      <p:ext uri="{BB962C8B-B14F-4D97-AF65-F5344CB8AC3E}">
+        <p14:creationId xmlns:p14="http://schemas.microsoft.com/office/powerpoint/2010/main" val="3459768559"/>
       </p:ext>
     </p:extLst>
   </p:cSld>

--- a/# Powerpoint Workshop/#Graphics_for_portfolio.pptx
+++ b/# Powerpoint Workshop/#Graphics_for_portfolio.pptx
@@ -3288,7 +3288,7 @@
     <p:bg>
       <p:bgPr>
         <a:solidFill>
-          <a:srgbClr val="7030A0"/>
+          <a:srgbClr val="0FCA42"/>
         </a:solidFill>
         <a:effectLst/>
       </p:bgPr>
@@ -3321,8 +3321,8 @@
         </p:nvSpPr>
         <p:spPr>
           <a:xfrm>
-            <a:off x="10917418" y="1843773"/>
-            <a:ext cx="10604121" cy="1609480"/>
+            <a:off x="5056537" y="1372872"/>
+            <a:ext cx="15132604" cy="2284728"/>
           </a:xfrm>
           <a:prstGeom prst="rect">
             <a:avLst/>
@@ -3337,7 +3337,7 @@
           <a:p>
             <a:pPr algn="ctr"/>
             <a:r>
-              <a:rPr lang="en-US" sz="10112" spc="30" dirty="0">
+              <a:rPr lang="en-US" sz="14500" spc="30" dirty="0">
                 <a:ln w="0"/>
                 <a:solidFill>
                   <a:schemeClr val="bg2"/>
@@ -3370,8 +3370,8 @@
         </p:nvSpPr>
         <p:spPr>
           <a:xfrm>
-            <a:off x="10918050" y="3297503"/>
-            <a:ext cx="10142777" cy="720325"/>
+            <a:off x="5056537" y="3657600"/>
+            <a:ext cx="13946702" cy="976678"/>
           </a:xfrm>
           <a:prstGeom prst="rect">
             <a:avLst/>
@@ -3386,7 +3386,7 @@
           <a:p>
             <a:pPr algn="ctr"/>
             <a:r>
-              <a:rPr lang="en-US" sz="4334" i="1" spc="30" dirty="0">
+              <a:rPr lang="en-US" sz="6000" i="1" spc="30" dirty="0">
                 <a:ln w="0"/>
                 <a:solidFill>
                   <a:schemeClr val="bg2"/>
